--- a/Section-05/Lecture5.pptx
+++ b/Section-05/Lecture5.pptx
@@ -5,7 +5,7 @@
     <p:sldMasterId id="2147483662" r:id="rId1"/>
   </p:sldMasterIdLst>
   <p:notesMasterIdLst>
-    <p:notesMasterId r:id="rId33"/>
+    <p:notesMasterId r:id="rId32"/>
   </p:notesMasterIdLst>
   <p:sldIdLst>
     <p:sldId id="269" r:id="rId2"/>
@@ -24,21 +24,20 @@
     <p:sldId id="294" r:id="rId15"/>
     <p:sldId id="260" r:id="rId16"/>
     <p:sldId id="261" r:id="rId17"/>
-    <p:sldId id="274" r:id="rId18"/>
-    <p:sldId id="275" r:id="rId19"/>
-    <p:sldId id="277" r:id="rId20"/>
-    <p:sldId id="279" r:id="rId21"/>
-    <p:sldId id="297" r:id="rId22"/>
-    <p:sldId id="281" r:id="rId23"/>
-    <p:sldId id="282" r:id="rId24"/>
-    <p:sldId id="283" r:id="rId25"/>
-    <p:sldId id="288" r:id="rId26"/>
-    <p:sldId id="285" r:id="rId27"/>
-    <p:sldId id="286" r:id="rId28"/>
-    <p:sldId id="287" r:id="rId29"/>
-    <p:sldId id="289" r:id="rId30"/>
-    <p:sldId id="298" r:id="rId31"/>
-    <p:sldId id="299" r:id="rId32"/>
+    <p:sldId id="275" r:id="rId18"/>
+    <p:sldId id="277" r:id="rId19"/>
+    <p:sldId id="279" r:id="rId20"/>
+    <p:sldId id="297" r:id="rId21"/>
+    <p:sldId id="281" r:id="rId22"/>
+    <p:sldId id="282" r:id="rId23"/>
+    <p:sldId id="283" r:id="rId24"/>
+    <p:sldId id="288" r:id="rId25"/>
+    <p:sldId id="285" r:id="rId26"/>
+    <p:sldId id="286" r:id="rId27"/>
+    <p:sldId id="287" r:id="rId28"/>
+    <p:sldId id="289" r:id="rId29"/>
+    <p:sldId id="298" r:id="rId30"/>
+    <p:sldId id="299" r:id="rId31"/>
   </p:sldIdLst>
   <p:sldSz cx="12192000" cy="6858000"/>
   <p:notesSz cx="6858000" cy="9144000"/>
@@ -644,7 +643,7 @@
           <a:p>
             <a:fld id="{27C79F2D-285C-D44E-B10F-2544539AF337}" type="slidenum">
               <a:rPr lang="en-US" smtClean="0"/>
-              <a:t>19</a:t>
+              <a:t>18</a:t>
             </a:fld>
             <a:endParaRPr lang="en-US"/>
           </a:p>
@@ -16256,391 +16255,6 @@
           <a:chExt cx="0" cy="0"/>
         </a:xfrm>
       </p:grpSpPr>
-      <p:pic>
-        <p:nvPicPr>
-          <p:cNvPr id="4" name="Picture 3">
-            <a:extLst>
-              <a:ext uri="{FF2B5EF4-FFF2-40B4-BE49-F238E27FC236}">
-                <a16:creationId xmlns:a16="http://schemas.microsoft.com/office/drawing/2014/main" id="{AEDE66E8-86F0-49F1-A31A-F857564BF64D}"/>
-              </a:ext>
-            </a:extLst>
-          </p:cNvPr>
-          <p:cNvPicPr>
-            <a:picLocks noChangeAspect="1"/>
-          </p:cNvPicPr>
-          <p:nvPr/>
-        </p:nvPicPr>
-        <p:blipFill>
-          <a:blip r:embed="rId2"/>
-          <a:stretch>
-            <a:fillRect/>
-          </a:stretch>
-        </p:blipFill>
-        <p:spPr>
-          <a:xfrm>
-            <a:off x="-1" y="1879019"/>
-            <a:ext cx="12192001" cy="1498481"/>
-          </a:xfrm>
-          <a:prstGeom prst="rect">
-            <a:avLst/>
-          </a:prstGeom>
-        </p:spPr>
-      </p:pic>
-      <p:sp>
-        <p:nvSpPr>
-          <p:cNvPr id="2" name="Title 1">
-            <a:extLst>
-              <a:ext uri="{FF2B5EF4-FFF2-40B4-BE49-F238E27FC236}">
-                <a16:creationId xmlns:a16="http://schemas.microsoft.com/office/drawing/2014/main" id="{DC6050B7-D13B-4319-B319-A1B1C55DB3EA}"/>
-              </a:ext>
-            </a:extLst>
-          </p:cNvPr>
-          <p:cNvSpPr>
-            <a:spLocks noGrp="1"/>
-          </p:cNvSpPr>
-          <p:nvPr>
-            <p:ph type="title"/>
-          </p:nvPr>
-        </p:nvSpPr>
-        <p:spPr/>
-        <p:txBody>
-          <a:bodyPr/>
-          <a:lstStyle/>
-          <a:p>
-            <a:r>
-              <a:rPr lang="en-US" dirty="0">
-                <a:latin typeface="Century Gothic" panose="020B0502020202020204" pitchFamily="34" charset="0"/>
-              </a:rPr>
-              <a:t>Separate Process</a:t>
-            </a:r>
-          </a:p>
-        </p:txBody>
-      </p:sp>
-      <p:sp>
-        <p:nvSpPr>
-          <p:cNvPr id="3" name="Content Placeholder 2">
-            <a:extLst>
-              <a:ext uri="{FF2B5EF4-FFF2-40B4-BE49-F238E27FC236}">
-                <a16:creationId xmlns:a16="http://schemas.microsoft.com/office/drawing/2014/main" id="{C7E22CD2-82C5-468F-8272-4989F1826CE0}"/>
-              </a:ext>
-            </a:extLst>
-          </p:cNvPr>
-          <p:cNvSpPr>
-            <a:spLocks noGrp="1"/>
-          </p:cNvSpPr>
-          <p:nvPr>
-            <p:ph idx="1"/>
-          </p:nvPr>
-        </p:nvSpPr>
-        <p:spPr>
-          <a:xfrm>
-            <a:off x="273772" y="1476375"/>
-            <a:ext cx="11772216" cy="4700588"/>
-          </a:xfrm>
-        </p:spPr>
-        <p:txBody>
-          <a:bodyPr/>
-          <a:lstStyle/>
-          <a:p>
-            <a:r>
-              <a:rPr lang="en-US" dirty="0">
-                <a:latin typeface="Century Gothic" panose="020B0502020202020204" pitchFamily="34" charset="0"/>
-              </a:rPr>
-              <a:t>There are other times when you cannot use a process to do a job:</a:t>
-            </a:r>
-          </a:p>
-          <a:p>
-            <a:endParaRPr lang="en-US" dirty="0">
-              <a:latin typeface="Century Gothic" panose="020B0502020202020204" pitchFamily="34" charset="0"/>
-            </a:endParaRPr>
-          </a:p>
-          <a:p>
-            <a:endParaRPr lang="en-US" sz="1100" dirty="0">
-              <a:latin typeface="Century Gothic" panose="020B0502020202020204" pitchFamily="34" charset="0"/>
-            </a:endParaRPr>
-          </a:p>
-          <a:p>
-            <a:endParaRPr lang="en-US" dirty="0">
-              <a:latin typeface="Century Gothic" panose="020B0502020202020204" pitchFamily="34" charset="0"/>
-            </a:endParaRPr>
-          </a:p>
-          <a:p>
-            <a:endParaRPr lang="en-US" dirty="0">
-              <a:latin typeface="Century Gothic" panose="020B0502020202020204" pitchFamily="34" charset="0"/>
-            </a:endParaRPr>
-          </a:p>
-          <a:p>
-            <a:r>
-              <a:rPr lang="en-US" dirty="0">
-                <a:latin typeface="Century Gothic" panose="020B0502020202020204" pitchFamily="34" charset="0"/>
-              </a:rPr>
-              <a:t>Running the command in () runs the command in a sub-shell; the exit terminates the sub-shell, not the command</a:t>
-            </a:r>
-          </a:p>
-          <a:p>
-            <a:pPr marL="0" indent="0">
-              <a:buNone/>
-            </a:pPr>
-            <a:endParaRPr lang="en-US" dirty="0">
-              <a:latin typeface="Century Gothic" panose="020B0502020202020204" pitchFamily="34" charset="0"/>
-            </a:endParaRPr>
-          </a:p>
-          <a:p>
-            <a:pPr marL="0" indent="0">
-              <a:buNone/>
-            </a:pPr>
-            <a:endParaRPr lang="en-US" dirty="0">
-              <a:latin typeface="Century Gothic" panose="020B0502020202020204" pitchFamily="34" charset="0"/>
-            </a:endParaRPr>
-          </a:p>
-        </p:txBody>
-      </p:sp>
-      <p:sp>
-        <p:nvSpPr>
-          <p:cNvPr id="6" name="Arrow: Right 5">
-            <a:extLst>
-              <a:ext uri="{FF2B5EF4-FFF2-40B4-BE49-F238E27FC236}">
-                <a16:creationId xmlns:a16="http://schemas.microsoft.com/office/drawing/2014/main" id="{48750C4D-D265-4A71-8667-4DF87CA735B8}"/>
-              </a:ext>
-            </a:extLst>
-          </p:cNvPr>
-          <p:cNvSpPr/>
-          <p:nvPr/>
-        </p:nvSpPr>
-        <p:spPr>
-          <a:xfrm rot="10800000">
-            <a:off x="3601929" y="2683634"/>
-            <a:ext cx="1549553" cy="415798"/>
-          </a:xfrm>
-          <a:prstGeom prst="rightArrow">
-            <a:avLst/>
-          </a:prstGeom>
-          <a:solidFill>
-            <a:srgbClr val="FF0000"/>
-          </a:solidFill>
-        </p:spPr>
-        <p:style>
-          <a:lnRef idx="2">
-            <a:schemeClr val="accent1">
-              <a:shade val="50000"/>
-            </a:schemeClr>
-          </a:lnRef>
-          <a:fillRef idx="1">
-            <a:schemeClr val="accent1"/>
-          </a:fillRef>
-          <a:effectRef idx="0">
-            <a:schemeClr val="accent1"/>
-          </a:effectRef>
-          <a:fontRef idx="minor">
-            <a:schemeClr val="lt1"/>
-          </a:fontRef>
-        </p:style>
-        <p:txBody>
-          <a:bodyPr rtlCol="0" anchor="ctr"/>
-          <a:lstStyle/>
-          <a:p>
-            <a:pPr algn="ctr"/>
-            <a:endParaRPr lang="en-US"/>
-          </a:p>
-        </p:txBody>
-      </p:sp>
-      <p:sp>
-        <p:nvSpPr>
-          <p:cNvPr id="7" name="Arrow: Right 6">
-            <a:extLst>
-              <a:ext uri="{FF2B5EF4-FFF2-40B4-BE49-F238E27FC236}">
-                <a16:creationId xmlns:a16="http://schemas.microsoft.com/office/drawing/2014/main" id="{29ECAAD4-AEF8-4730-8F41-5735B6CBC2A9}"/>
-              </a:ext>
-            </a:extLst>
-          </p:cNvPr>
-          <p:cNvSpPr/>
-          <p:nvPr/>
-        </p:nvSpPr>
-        <p:spPr>
-          <a:xfrm rot="16200000">
-            <a:off x="10451258" y="2613384"/>
-            <a:ext cx="1074105" cy="454126"/>
-          </a:xfrm>
-          <a:prstGeom prst="rightArrow">
-            <a:avLst/>
-          </a:prstGeom>
-          <a:solidFill>
-            <a:srgbClr val="FF0000"/>
-          </a:solidFill>
-        </p:spPr>
-        <p:style>
-          <a:lnRef idx="2">
-            <a:schemeClr val="accent1">
-              <a:shade val="50000"/>
-            </a:schemeClr>
-          </a:lnRef>
-          <a:fillRef idx="1">
-            <a:schemeClr val="accent1"/>
-          </a:fillRef>
-          <a:effectRef idx="0">
-            <a:schemeClr val="accent1"/>
-          </a:effectRef>
-          <a:fontRef idx="minor">
-            <a:schemeClr val="lt1"/>
-          </a:fontRef>
-        </p:style>
-        <p:txBody>
-          <a:bodyPr rtlCol="0" anchor="ctr"/>
-          <a:lstStyle/>
-          <a:p>
-            <a:pPr algn="ctr"/>
-            <a:endParaRPr lang="en-US"/>
-          </a:p>
-        </p:txBody>
-      </p:sp>
-      <p:sp>
-        <p:nvSpPr>
-          <p:cNvPr id="18" name="TextBox 17">
-            <a:extLst>
-              <a:ext uri="{FF2B5EF4-FFF2-40B4-BE49-F238E27FC236}">
-                <a16:creationId xmlns:a16="http://schemas.microsoft.com/office/drawing/2014/main" id="{ACACC0C9-F180-4F03-9D89-2D00E393D165}"/>
-              </a:ext>
-            </a:extLst>
-          </p:cNvPr>
-          <p:cNvSpPr txBox="1"/>
-          <p:nvPr/>
-        </p:nvSpPr>
-        <p:spPr>
-          <a:xfrm>
-            <a:off x="8170059" y="5760000"/>
-            <a:ext cx="4369409" cy="369332"/>
-          </a:xfrm>
-          <a:prstGeom prst="rect">
-            <a:avLst/>
-          </a:prstGeom>
-          <a:noFill/>
-        </p:spPr>
-        <p:txBody>
-          <a:bodyPr wrap="square" rtlCol="0">
-            <a:spAutoFit/>
-          </a:bodyPr>
-          <a:lstStyle/>
-          <a:p>
-            <a:r>
-              <a:rPr lang="en-US" b="1" dirty="0">
-                <a:highlight>
-                  <a:srgbClr val="FFFF00"/>
-                </a:highlight>
-              </a:rPr>
-              <a:t>With {}, exit terminates parent shell</a:t>
-            </a:r>
-          </a:p>
-        </p:txBody>
-      </p:sp>
-      <p:pic>
-        <p:nvPicPr>
-          <p:cNvPr id="8" name="Picture 7">
-            <a:extLst>
-              <a:ext uri="{FF2B5EF4-FFF2-40B4-BE49-F238E27FC236}">
-                <a16:creationId xmlns:a16="http://schemas.microsoft.com/office/drawing/2014/main" id="{E9228007-CDA5-4E97-8BF7-5EFD3678FF9F}"/>
-              </a:ext>
-            </a:extLst>
-          </p:cNvPr>
-          <p:cNvPicPr>
-            <a:picLocks noChangeAspect="1"/>
-          </p:cNvPicPr>
-          <p:nvPr/>
-        </p:nvPicPr>
-        <p:blipFill>
-          <a:blip r:embed="rId3"/>
-          <a:stretch>
-            <a:fillRect/>
-          </a:stretch>
-        </p:blipFill>
-        <p:spPr>
-          <a:xfrm>
-            <a:off x="-2" y="4251942"/>
-            <a:ext cx="12192001" cy="671735"/>
-          </a:xfrm>
-          <a:prstGeom prst="rect">
-            <a:avLst/>
-          </a:prstGeom>
-        </p:spPr>
-      </p:pic>
-      <p:sp>
-        <p:nvSpPr>
-          <p:cNvPr id="16" name="Arrow: Right 15">
-            <a:extLst>
-              <a:ext uri="{FF2B5EF4-FFF2-40B4-BE49-F238E27FC236}">
-                <a16:creationId xmlns:a16="http://schemas.microsoft.com/office/drawing/2014/main" id="{4935ACD6-0482-48C0-80EB-E43506964143}"/>
-              </a:ext>
-            </a:extLst>
-          </p:cNvPr>
-          <p:cNvSpPr/>
-          <p:nvPr/>
-        </p:nvSpPr>
-        <p:spPr>
-          <a:xfrm rot="16200000">
-            <a:off x="9433722" y="4956284"/>
-            <a:ext cx="1074105" cy="454126"/>
-          </a:xfrm>
-          <a:prstGeom prst="rightArrow">
-            <a:avLst/>
-          </a:prstGeom>
-          <a:solidFill>
-            <a:srgbClr val="FF0000"/>
-          </a:solidFill>
-        </p:spPr>
-        <p:style>
-          <a:lnRef idx="2">
-            <a:schemeClr val="accent1">
-              <a:shade val="50000"/>
-            </a:schemeClr>
-          </a:lnRef>
-          <a:fillRef idx="1">
-            <a:schemeClr val="accent1"/>
-          </a:fillRef>
-          <a:effectRef idx="0">
-            <a:schemeClr val="accent1"/>
-          </a:effectRef>
-          <a:fontRef idx="minor">
-            <a:schemeClr val="lt1"/>
-          </a:fontRef>
-        </p:style>
-        <p:txBody>
-          <a:bodyPr rtlCol="0" anchor="ctr"/>
-          <a:lstStyle/>
-          <a:p>
-            <a:pPr algn="ctr"/>
-            <a:endParaRPr lang="en-US"/>
-          </a:p>
-        </p:txBody>
-      </p:sp>
-    </p:spTree>
-    <p:extLst>
-      <p:ext uri="{BB962C8B-B14F-4D97-AF65-F5344CB8AC3E}">
-        <p14:creationId xmlns:p14="http://schemas.microsoft.com/office/powerpoint/2010/main" val="1827032455"/>
-      </p:ext>
-    </p:extLst>
-  </p:cSld>
-  <p:clrMapOvr>
-    <a:masterClrMapping/>
-  </p:clrMapOvr>
-</p:sld>
-</file>
-
-<file path=ppt/slides/slide18.xml><?xml version="1.0" encoding="utf-8"?>
-<p:sld xmlns:a="http://schemas.openxmlformats.org/drawingml/2006/main" xmlns:r="http://schemas.openxmlformats.org/officeDocument/2006/relationships" xmlns:p="http://schemas.openxmlformats.org/presentationml/2006/main">
-  <p:cSld>
-    <p:spTree>
-      <p:nvGrpSpPr>
-        <p:cNvPr id="1" name=""/>
-        <p:cNvGrpSpPr/>
-        <p:nvPr/>
-      </p:nvGrpSpPr>
-      <p:grpSpPr>
-        <a:xfrm>
-          <a:off x="0" y="0"/>
-          <a:ext cx="0" cy="0"/>
-          <a:chOff x="0" y="0"/>
-          <a:chExt cx="0" cy="0"/>
-        </a:xfrm>
-      </p:grpSpPr>
       <p:sp>
         <p:nvSpPr>
           <p:cNvPr id="2" name="Title 1">
@@ -16846,7 +16460,7 @@
 </p:sld>
 </file>
 
-<file path=ppt/slides/slide19.xml><?xml version="1.0" encoding="utf-8"?>
+<file path=ppt/slides/slide18.xml><?xml version="1.0" encoding="utf-8"?>
 <p:sld xmlns:a="http://schemas.openxmlformats.org/drawingml/2006/main" xmlns:r="http://schemas.openxmlformats.org/officeDocument/2006/relationships" xmlns:p="http://schemas.openxmlformats.org/presentationml/2006/main">
   <p:cSld>
     <p:spTree>
@@ -17434,6 +17048,234 @@
 </p:sld>
 </file>
 
+<file path=ppt/slides/slide19.xml><?xml version="1.0" encoding="utf-8"?>
+<p:sld xmlns:a="http://schemas.openxmlformats.org/drawingml/2006/main" xmlns:r="http://schemas.openxmlformats.org/officeDocument/2006/relationships" xmlns:p="http://schemas.openxmlformats.org/presentationml/2006/main">
+  <p:cSld>
+    <p:spTree>
+      <p:nvGrpSpPr>
+        <p:cNvPr id="1" name=""/>
+        <p:cNvGrpSpPr/>
+        <p:nvPr/>
+      </p:nvGrpSpPr>
+      <p:grpSpPr>
+        <a:xfrm>
+          <a:off x="0" y="0"/>
+          <a:ext cx="0" cy="0"/>
+          <a:chOff x="0" y="0"/>
+          <a:chExt cx="0" cy="0"/>
+        </a:xfrm>
+      </p:grpSpPr>
+      <p:sp>
+        <p:nvSpPr>
+          <p:cNvPr id="2" name="Title 1">
+            <a:extLst>
+              <a:ext uri="{FF2B5EF4-FFF2-40B4-BE49-F238E27FC236}">
+                <a16:creationId xmlns:a16="http://schemas.microsoft.com/office/drawing/2014/main" id="{C0866995-A6C0-421C-991F-5C563C12D7B1}"/>
+              </a:ext>
+            </a:extLst>
+          </p:cNvPr>
+          <p:cNvSpPr>
+            <a:spLocks noGrp="1"/>
+          </p:cNvSpPr>
+          <p:nvPr>
+            <p:ph type="title"/>
+          </p:nvPr>
+        </p:nvSpPr>
+        <p:spPr/>
+        <p:txBody>
+          <a:bodyPr/>
+          <a:lstStyle/>
+          <a:p>
+            <a:r>
+              <a:rPr lang="en-US" dirty="0"/>
+              <a:t>Killing a Process</a:t>
+            </a:r>
+          </a:p>
+        </p:txBody>
+      </p:sp>
+      <p:sp>
+        <p:nvSpPr>
+          <p:cNvPr id="3" name="Content Placeholder 2">
+            <a:extLst>
+              <a:ext uri="{FF2B5EF4-FFF2-40B4-BE49-F238E27FC236}">
+                <a16:creationId xmlns:a16="http://schemas.microsoft.com/office/drawing/2014/main" id="{41EB34E0-DAD4-4BD2-9CB8-B1EABA211D3E}"/>
+              </a:ext>
+            </a:extLst>
+          </p:cNvPr>
+          <p:cNvSpPr>
+            <a:spLocks noGrp="1"/>
+          </p:cNvSpPr>
+          <p:nvPr>
+            <p:ph idx="1"/>
+          </p:nvPr>
+        </p:nvSpPr>
+        <p:spPr/>
+        <p:txBody>
+          <a:bodyPr/>
+          <a:lstStyle/>
+          <a:p>
+            <a:r>
+              <a:rPr lang="en-US" dirty="0">
+                <a:latin typeface="Century Gothic" panose="020B0502020202020204" pitchFamily="34" charset="0"/>
+              </a:rPr>
+              <a:t>‘</a:t>
+            </a:r>
+            <a:r>
+              <a:rPr lang="en-US" b="1" dirty="0">
+                <a:solidFill>
+                  <a:srgbClr val="0070C0"/>
+                </a:solidFill>
+                <a:latin typeface="Century Gothic" panose="020B0502020202020204" pitchFamily="34" charset="0"/>
+              </a:rPr>
+              <a:t>kill PID #</a:t>
+            </a:r>
+            <a:r>
+              <a:rPr lang="en-US" dirty="0">
+                <a:latin typeface="Century Gothic" panose="020B0502020202020204" pitchFamily="34" charset="0"/>
+              </a:rPr>
+              <a:t>’ – manually ending a process requires the ‘kill’ command followed by the process ID number</a:t>
+            </a:r>
+          </a:p>
+          <a:p>
+            <a:pPr lvl="1"/>
+            <a:r>
+              <a:rPr lang="en-US" dirty="0">
+                <a:latin typeface="Century Gothic" panose="020B0502020202020204" pitchFamily="34" charset="0"/>
+              </a:rPr>
+              <a:t>‘kill’ command sends a signal to terminate a process</a:t>
+            </a:r>
+          </a:p>
+          <a:p>
+            <a:pPr lvl="1"/>
+            <a:r>
+              <a:rPr lang="en-US" u="sng" dirty="0">
+                <a:latin typeface="Century Gothic" panose="020B0502020202020204" pitchFamily="34" charset="0"/>
+              </a:rPr>
+              <a:t>Can terminate one or more processes</a:t>
+            </a:r>
+            <a:r>
+              <a:rPr lang="en-US" dirty="0">
+                <a:latin typeface="Century Gothic" panose="020B0502020202020204" pitchFamily="34" charset="0"/>
+              </a:rPr>
+              <a:t> such as: ‘kill PID1, PID2, …’</a:t>
+            </a:r>
+          </a:p>
+          <a:p>
+            <a:endParaRPr lang="en-US">
+              <a:latin typeface="Century Gothic" panose="020B0502020202020204" pitchFamily="34" charset="0"/>
+            </a:endParaRPr>
+          </a:p>
+          <a:p>
+            <a:r>
+              <a:rPr lang="en-US">
+                <a:latin typeface="Century Gothic" panose="020B0502020202020204" pitchFamily="34" charset="0"/>
+              </a:rPr>
+              <a:t>Some </a:t>
+            </a:r>
+            <a:r>
+              <a:rPr lang="en-US" dirty="0">
+                <a:latin typeface="Century Gothic" panose="020B0502020202020204" pitchFamily="34" charset="0"/>
+              </a:rPr>
+              <a:t>programs may (and do) ignore the above so you can use the following to override: ‘</a:t>
+            </a:r>
+            <a:r>
+              <a:rPr lang="en-US" b="1" dirty="0">
+                <a:solidFill>
+                  <a:srgbClr val="0070C0"/>
+                </a:solidFill>
+                <a:latin typeface="Century Gothic" panose="020B0502020202020204" pitchFamily="34" charset="0"/>
+              </a:rPr>
+              <a:t>kill –s KILL PID#</a:t>
+            </a:r>
+            <a:r>
+              <a:rPr lang="en-US" dirty="0">
+                <a:latin typeface="Century Gothic" panose="020B0502020202020204" pitchFamily="34" charset="0"/>
+              </a:rPr>
+              <a:t>’ (preferred) or ‘</a:t>
+            </a:r>
+            <a:r>
+              <a:rPr lang="en-US" b="1" dirty="0">
+                <a:solidFill>
+                  <a:srgbClr val="0070C0"/>
+                </a:solidFill>
+                <a:latin typeface="Century Gothic" panose="020B0502020202020204" pitchFamily="34" charset="0"/>
+              </a:rPr>
+              <a:t>kill -9 PID#</a:t>
+            </a:r>
+            <a:r>
+              <a:rPr lang="en-US" dirty="0">
+                <a:latin typeface="Century Gothic" panose="020B0502020202020204" pitchFamily="34" charset="0"/>
+              </a:rPr>
+              <a:t>’ (more common but not </a:t>
+            </a:r>
+            <a:r>
+              <a:rPr lang="en-US">
+                <a:latin typeface="Century Gothic" panose="020B0502020202020204" pitchFamily="34" charset="0"/>
+              </a:rPr>
+              <a:t>preferred)</a:t>
+            </a:r>
+            <a:br>
+              <a:rPr lang="en-US">
+                <a:latin typeface="Century Gothic" panose="020B0502020202020204" pitchFamily="34" charset="0"/>
+              </a:rPr>
+            </a:br>
+            <a:endParaRPr lang="en-US" dirty="0">
+              <a:latin typeface="Century Gothic" panose="020B0502020202020204" pitchFamily="34" charset="0"/>
+            </a:endParaRPr>
+          </a:p>
+          <a:p>
+            <a:r>
+              <a:rPr lang="en-US" dirty="0">
+                <a:latin typeface="Century Gothic" panose="020B0502020202020204" pitchFamily="34" charset="0"/>
+              </a:rPr>
+              <a:t>To kill a login shell requires: ‘</a:t>
+            </a:r>
+            <a:r>
+              <a:rPr lang="en-US" b="1" dirty="0">
+                <a:solidFill>
+                  <a:srgbClr val="0070C0"/>
+                </a:solidFill>
+                <a:latin typeface="Century Gothic" panose="020B0502020202020204" pitchFamily="34" charset="0"/>
+              </a:rPr>
+              <a:t>kill -9 $$</a:t>
+            </a:r>
+            <a:r>
+              <a:rPr lang="en-US" dirty="0">
+                <a:latin typeface="Century Gothic" panose="020B0502020202020204" pitchFamily="34" charset="0"/>
+              </a:rPr>
+              <a:t>’ or ‘</a:t>
+            </a:r>
+            <a:r>
+              <a:rPr lang="en-US" b="1" dirty="0">
+                <a:solidFill>
+                  <a:srgbClr val="0070C0"/>
+                </a:solidFill>
+                <a:latin typeface="Century Gothic" panose="020B0502020202020204" pitchFamily="34" charset="0"/>
+              </a:rPr>
+              <a:t>kill –s KILL 0</a:t>
+            </a:r>
+            <a:r>
+              <a:rPr lang="en-US" dirty="0">
+                <a:latin typeface="Century Gothic" panose="020B0502020202020204" pitchFamily="34" charset="0"/>
+              </a:rPr>
+              <a:t>’ which kills all processes including the login shell</a:t>
+            </a:r>
+          </a:p>
+        </p:txBody>
+      </p:sp>
+    </p:spTree>
+    <p:extLst>
+      <p:ext uri="{BB962C8B-B14F-4D97-AF65-F5344CB8AC3E}">
+        <p14:creationId xmlns:p14="http://schemas.microsoft.com/office/powerpoint/2010/main" val="3219083770"/>
+      </p:ext>
+    </p:extLst>
+  </p:cSld>
+  <p:clrMapOvr>
+    <a:masterClrMapping/>
+  </p:clrMapOvr>
+</p:sld>
+</file>
+
 <file path=ppt/slides/slide2.xml><?xml version="1.0" encoding="utf-8"?>
 <p:sld xmlns:a="http://schemas.openxmlformats.org/drawingml/2006/main" xmlns:r="http://schemas.openxmlformats.org/officeDocument/2006/relationships" xmlns:p="http://schemas.openxmlformats.org/presentationml/2006/main">
   <p:cSld>
@@ -17854,234 +17696,6 @@
 </file>
 
 <file path=ppt/slides/slide20.xml><?xml version="1.0" encoding="utf-8"?>
-<p:sld xmlns:a="http://schemas.openxmlformats.org/drawingml/2006/main" xmlns:r="http://schemas.openxmlformats.org/officeDocument/2006/relationships" xmlns:p="http://schemas.openxmlformats.org/presentationml/2006/main">
-  <p:cSld>
-    <p:spTree>
-      <p:nvGrpSpPr>
-        <p:cNvPr id="1" name=""/>
-        <p:cNvGrpSpPr/>
-        <p:nvPr/>
-      </p:nvGrpSpPr>
-      <p:grpSpPr>
-        <a:xfrm>
-          <a:off x="0" y="0"/>
-          <a:ext cx="0" cy="0"/>
-          <a:chOff x="0" y="0"/>
-          <a:chExt cx="0" cy="0"/>
-        </a:xfrm>
-      </p:grpSpPr>
-      <p:sp>
-        <p:nvSpPr>
-          <p:cNvPr id="2" name="Title 1">
-            <a:extLst>
-              <a:ext uri="{FF2B5EF4-FFF2-40B4-BE49-F238E27FC236}">
-                <a16:creationId xmlns:a16="http://schemas.microsoft.com/office/drawing/2014/main" id="{C0866995-A6C0-421C-991F-5C563C12D7B1}"/>
-              </a:ext>
-            </a:extLst>
-          </p:cNvPr>
-          <p:cNvSpPr>
-            <a:spLocks noGrp="1"/>
-          </p:cNvSpPr>
-          <p:nvPr>
-            <p:ph type="title"/>
-          </p:nvPr>
-        </p:nvSpPr>
-        <p:spPr/>
-        <p:txBody>
-          <a:bodyPr/>
-          <a:lstStyle/>
-          <a:p>
-            <a:r>
-              <a:rPr lang="en-US" dirty="0"/>
-              <a:t>Killing a Process</a:t>
-            </a:r>
-          </a:p>
-        </p:txBody>
-      </p:sp>
-      <p:sp>
-        <p:nvSpPr>
-          <p:cNvPr id="3" name="Content Placeholder 2">
-            <a:extLst>
-              <a:ext uri="{FF2B5EF4-FFF2-40B4-BE49-F238E27FC236}">
-                <a16:creationId xmlns:a16="http://schemas.microsoft.com/office/drawing/2014/main" id="{41EB34E0-DAD4-4BD2-9CB8-B1EABA211D3E}"/>
-              </a:ext>
-            </a:extLst>
-          </p:cNvPr>
-          <p:cNvSpPr>
-            <a:spLocks noGrp="1"/>
-          </p:cNvSpPr>
-          <p:nvPr>
-            <p:ph idx="1"/>
-          </p:nvPr>
-        </p:nvSpPr>
-        <p:spPr/>
-        <p:txBody>
-          <a:bodyPr/>
-          <a:lstStyle/>
-          <a:p>
-            <a:r>
-              <a:rPr lang="en-US" dirty="0">
-                <a:latin typeface="Century Gothic" panose="020B0502020202020204" pitchFamily="34" charset="0"/>
-              </a:rPr>
-              <a:t>‘</a:t>
-            </a:r>
-            <a:r>
-              <a:rPr lang="en-US" b="1" dirty="0">
-                <a:solidFill>
-                  <a:srgbClr val="0070C0"/>
-                </a:solidFill>
-                <a:latin typeface="Century Gothic" panose="020B0502020202020204" pitchFamily="34" charset="0"/>
-              </a:rPr>
-              <a:t>kill PID #</a:t>
-            </a:r>
-            <a:r>
-              <a:rPr lang="en-US" dirty="0">
-                <a:latin typeface="Century Gothic" panose="020B0502020202020204" pitchFamily="34" charset="0"/>
-              </a:rPr>
-              <a:t>’ – manually ending a process requires the ‘kill’ command followed by the process ID number</a:t>
-            </a:r>
-          </a:p>
-          <a:p>
-            <a:pPr lvl="1"/>
-            <a:r>
-              <a:rPr lang="en-US" dirty="0">
-                <a:latin typeface="Century Gothic" panose="020B0502020202020204" pitchFamily="34" charset="0"/>
-              </a:rPr>
-              <a:t>‘kill’ command sends a signal to terminate a process</a:t>
-            </a:r>
-          </a:p>
-          <a:p>
-            <a:pPr lvl="1"/>
-            <a:r>
-              <a:rPr lang="en-US" u="sng" dirty="0">
-                <a:latin typeface="Century Gothic" panose="020B0502020202020204" pitchFamily="34" charset="0"/>
-              </a:rPr>
-              <a:t>Can terminate one or more processes</a:t>
-            </a:r>
-            <a:r>
-              <a:rPr lang="en-US" dirty="0">
-                <a:latin typeface="Century Gothic" panose="020B0502020202020204" pitchFamily="34" charset="0"/>
-              </a:rPr>
-              <a:t> such as: ‘kill PID1, PID2, …’</a:t>
-            </a:r>
-          </a:p>
-          <a:p>
-            <a:endParaRPr lang="en-US">
-              <a:latin typeface="Century Gothic" panose="020B0502020202020204" pitchFamily="34" charset="0"/>
-            </a:endParaRPr>
-          </a:p>
-          <a:p>
-            <a:r>
-              <a:rPr lang="en-US">
-                <a:latin typeface="Century Gothic" panose="020B0502020202020204" pitchFamily="34" charset="0"/>
-              </a:rPr>
-              <a:t>Some </a:t>
-            </a:r>
-            <a:r>
-              <a:rPr lang="en-US" dirty="0">
-                <a:latin typeface="Century Gothic" panose="020B0502020202020204" pitchFamily="34" charset="0"/>
-              </a:rPr>
-              <a:t>programs may (and do) ignore the above so you can use the following to override: ‘</a:t>
-            </a:r>
-            <a:r>
-              <a:rPr lang="en-US" b="1" dirty="0">
-                <a:solidFill>
-                  <a:srgbClr val="0070C0"/>
-                </a:solidFill>
-                <a:latin typeface="Century Gothic" panose="020B0502020202020204" pitchFamily="34" charset="0"/>
-              </a:rPr>
-              <a:t>kill –s KILL PID#</a:t>
-            </a:r>
-            <a:r>
-              <a:rPr lang="en-US" dirty="0">
-                <a:latin typeface="Century Gothic" panose="020B0502020202020204" pitchFamily="34" charset="0"/>
-              </a:rPr>
-              <a:t>’ (preferred) or ‘</a:t>
-            </a:r>
-            <a:r>
-              <a:rPr lang="en-US" b="1" dirty="0">
-                <a:solidFill>
-                  <a:srgbClr val="0070C0"/>
-                </a:solidFill>
-                <a:latin typeface="Century Gothic" panose="020B0502020202020204" pitchFamily="34" charset="0"/>
-              </a:rPr>
-              <a:t>kill -9 PID#</a:t>
-            </a:r>
-            <a:r>
-              <a:rPr lang="en-US" dirty="0">
-                <a:latin typeface="Century Gothic" panose="020B0502020202020204" pitchFamily="34" charset="0"/>
-              </a:rPr>
-              <a:t>’ (more common but not </a:t>
-            </a:r>
-            <a:r>
-              <a:rPr lang="en-US">
-                <a:latin typeface="Century Gothic" panose="020B0502020202020204" pitchFamily="34" charset="0"/>
-              </a:rPr>
-              <a:t>preferred)</a:t>
-            </a:r>
-            <a:br>
-              <a:rPr lang="en-US">
-                <a:latin typeface="Century Gothic" panose="020B0502020202020204" pitchFamily="34" charset="0"/>
-              </a:rPr>
-            </a:br>
-            <a:endParaRPr lang="en-US" dirty="0">
-              <a:latin typeface="Century Gothic" panose="020B0502020202020204" pitchFamily="34" charset="0"/>
-            </a:endParaRPr>
-          </a:p>
-          <a:p>
-            <a:r>
-              <a:rPr lang="en-US" dirty="0">
-                <a:latin typeface="Century Gothic" panose="020B0502020202020204" pitchFamily="34" charset="0"/>
-              </a:rPr>
-              <a:t>To kill a login shell requires: ‘</a:t>
-            </a:r>
-            <a:r>
-              <a:rPr lang="en-US" b="1" dirty="0">
-                <a:solidFill>
-                  <a:srgbClr val="0070C0"/>
-                </a:solidFill>
-                <a:latin typeface="Century Gothic" panose="020B0502020202020204" pitchFamily="34" charset="0"/>
-              </a:rPr>
-              <a:t>kill -9 $$</a:t>
-            </a:r>
-            <a:r>
-              <a:rPr lang="en-US" dirty="0">
-                <a:latin typeface="Century Gothic" panose="020B0502020202020204" pitchFamily="34" charset="0"/>
-              </a:rPr>
-              <a:t>’ or ‘</a:t>
-            </a:r>
-            <a:r>
-              <a:rPr lang="en-US" b="1" dirty="0">
-                <a:solidFill>
-                  <a:srgbClr val="0070C0"/>
-                </a:solidFill>
-                <a:latin typeface="Century Gothic" panose="020B0502020202020204" pitchFamily="34" charset="0"/>
-              </a:rPr>
-              <a:t>kill –s KILL 0</a:t>
-            </a:r>
-            <a:r>
-              <a:rPr lang="en-US" dirty="0">
-                <a:latin typeface="Century Gothic" panose="020B0502020202020204" pitchFamily="34" charset="0"/>
-              </a:rPr>
-              <a:t>’ which kills all processes including the login shell</a:t>
-            </a:r>
-          </a:p>
-        </p:txBody>
-      </p:sp>
-    </p:spTree>
-    <p:extLst>
-      <p:ext uri="{BB962C8B-B14F-4D97-AF65-F5344CB8AC3E}">
-        <p14:creationId xmlns:p14="http://schemas.microsoft.com/office/powerpoint/2010/main" val="3219083770"/>
-      </p:ext>
-    </p:extLst>
-  </p:cSld>
-  <p:clrMapOvr>
-    <a:masterClrMapping/>
-  </p:clrMapOvr>
-</p:sld>
-</file>
-
-<file path=ppt/slides/slide21.xml><?xml version="1.0" encoding="utf-8"?>
 <p:sld xmlns:a="http://schemas.openxmlformats.org/drawingml/2006/main" xmlns:r="http://schemas.openxmlformats.org/officeDocument/2006/relationships" xmlns:p="http://schemas.openxmlformats.org/presentationml/2006/main">
   <p:cSld>
     <p:spTree>
@@ -18170,7 +17784,7 @@
 </p:sld>
 </file>
 
-<file path=ppt/slides/slide22.xml><?xml version="1.0" encoding="utf-8"?>
+<file path=ppt/slides/slide21.xml><?xml version="1.0" encoding="utf-8"?>
 <p:sld xmlns:a="http://schemas.openxmlformats.org/drawingml/2006/main" xmlns:r="http://schemas.openxmlformats.org/officeDocument/2006/relationships" xmlns:p="http://schemas.openxmlformats.org/presentationml/2006/main">
   <p:cSld>
     <p:spTree>
@@ -18360,7 +17974,7 @@
 </p:sld>
 </file>
 
-<file path=ppt/slides/slide23.xml><?xml version="1.0" encoding="utf-8"?>
+<file path=ppt/slides/slide22.xml><?xml version="1.0" encoding="utf-8"?>
 <p:sld xmlns:a="http://schemas.openxmlformats.org/drawingml/2006/main" xmlns:r="http://schemas.openxmlformats.org/officeDocument/2006/relationships" xmlns:p="http://schemas.openxmlformats.org/presentationml/2006/main">
   <p:cSld>
     <p:spTree>
@@ -18771,7 +18385,7 @@
 </p:sld>
 </file>
 
-<file path=ppt/slides/slide24.xml><?xml version="1.0" encoding="utf-8"?>
+<file path=ppt/slides/slide23.xml><?xml version="1.0" encoding="utf-8"?>
 <p:sld xmlns:a="http://schemas.openxmlformats.org/drawingml/2006/main" xmlns:r="http://schemas.openxmlformats.org/officeDocument/2006/relationships" xmlns:p="http://schemas.openxmlformats.org/presentationml/2006/main">
   <p:cSld>
     <p:spTree>
@@ -18790,10 +18404,10 @@
       </p:grpSpPr>
       <p:pic>
         <p:nvPicPr>
-          <p:cNvPr id="3" name="Picture 2">
+          <p:cNvPr id="2" name="Picture 1">
             <a:extLst>
               <a:ext uri="{FF2B5EF4-FFF2-40B4-BE49-F238E27FC236}">
-                <a16:creationId xmlns:a16="http://schemas.microsoft.com/office/drawing/2014/main" id="{2DB63214-CF64-48C2-9A6A-FDE969AF336A}"/>
+                <a16:creationId xmlns:a16="http://schemas.microsoft.com/office/drawing/2014/main" id="{0CB867B8-39B9-419C-A17D-EDB811B6C420}"/>
               </a:ext>
             </a:extLst>
           </p:cNvPr>
@@ -18802,15 +18416,16 @@
           </p:cNvPicPr>
           <p:nvPr/>
         </p:nvPicPr>
-        <p:blipFill rotWithShape="1">
+        <p:blipFill>
           <a:blip r:embed="rId2"/>
-          <a:srcRect r="12199"/>
-          <a:stretch/>
+          <a:stretch>
+            <a:fillRect/>
+          </a:stretch>
         </p:blipFill>
         <p:spPr>
           <a:xfrm>
-            <a:off x="1" y="2749667"/>
-            <a:ext cx="12192000" cy="3021811"/>
+            <a:off x="0" y="2699341"/>
+            <a:ext cx="11895238" cy="3409524"/>
           </a:xfrm>
           <a:prstGeom prst="rect">
             <a:avLst/>
@@ -18890,20 +18505,17 @@
               <a:rPr lang="en-US" sz="2000" dirty="0">
                 <a:latin typeface="Century Gothic" panose="020B0502020202020204" pitchFamily="34" charset="0"/>
               </a:rPr>
-              <a:t>I logged back in and ran ‘</a:t>
-            </a:r>
-            <a:r>
-              <a:rPr lang="en-US" sz="2000" dirty="0" err="1">
-                <a:latin typeface="Century Gothic" panose="020B0502020202020204" pitchFamily="34" charset="0"/>
-              </a:rPr>
-              <a:t>ps</a:t>
-            </a:r>
-            <a:r>
-              <a:rPr lang="en-US" sz="2000" dirty="0">
-                <a:latin typeface="Century Gothic" panose="020B0502020202020204" pitchFamily="34" charset="0"/>
-              </a:rPr>
-              <a:t> –u’ again which showed no background processes running </a:t>
-            </a:r>
+              <a:t>Logout and log </a:t>
+            </a:r>
+            <a:r>
+              <a:rPr lang="en-US" sz="2000">
+                <a:latin typeface="Century Gothic" panose="020B0502020202020204" pitchFamily="34" charset="0"/>
+              </a:rPr>
+              <a:t>back in</a:t>
+            </a:r>
+            <a:endParaRPr lang="en-US" sz="2000" dirty="0">
+              <a:latin typeface="Century Gothic" panose="020B0502020202020204" pitchFamily="34" charset="0"/>
+            </a:endParaRPr>
           </a:p>
           <a:p>
             <a:pPr marL="342900" indent="-342900">
@@ -18931,7 +18543,7 @@
                 </a:solidFill>
                 <a:latin typeface="Century Gothic" panose="020B0502020202020204" pitchFamily="34" charset="0"/>
               </a:rPr>
-              <a:t> –au bnigatu</a:t>
+              <a:t> –A | grep search.sh</a:t>
             </a:r>
             <a:r>
               <a:rPr lang="en-US" sz="2000" dirty="0">
@@ -18956,7 +18568,7 @@
         </p:nvSpPr>
         <p:spPr>
           <a:xfrm rot="10800000">
-            <a:off x="4678620" y="3424949"/>
+            <a:off x="5424943" y="4761113"/>
             <a:ext cx="700857" cy="366855"/>
           </a:xfrm>
           <a:prstGeom prst="rightArrow">
@@ -19005,7 +18617,7 @@
         </p:nvSpPr>
         <p:spPr>
           <a:xfrm rot="10800000">
-            <a:off x="5816449" y="2699341"/>
+            <a:off x="7292164" y="3241522"/>
             <a:ext cx="700857" cy="366855"/>
           </a:xfrm>
           <a:prstGeom prst="rightArrow">
@@ -19084,7 +18696,7 @@
         </p:nvSpPr>
         <p:spPr>
           <a:xfrm rot="16200000">
-            <a:off x="-179701" y="3291998"/>
+            <a:off x="-161782" y="4000803"/>
             <a:ext cx="700857" cy="366855"/>
           </a:xfrm>
           <a:prstGeom prst="rightArrow">
@@ -19154,7 +18766,7 @@
         </p:nvSpPr>
         <p:spPr>
           <a:xfrm>
-            <a:off x="183427" y="5771478"/>
+            <a:off x="183427" y="6088132"/>
             <a:ext cx="11884747" cy="400110"/>
           </a:xfrm>
           <a:prstGeom prst="rect">
@@ -19174,6 +18786,55 @@
               </a:rPr>
               <a:t>Notice the blue arrow – it points to the job number and next to it is the process ID number</a:t>
             </a:r>
+          </a:p>
+        </p:txBody>
+      </p:sp>
+      <p:sp>
+        <p:nvSpPr>
+          <p:cNvPr id="10" name="Arrow: Right 9">
+            <a:extLst>
+              <a:ext uri="{FF2B5EF4-FFF2-40B4-BE49-F238E27FC236}">
+                <a16:creationId xmlns:a16="http://schemas.microsoft.com/office/drawing/2014/main" id="{747F11D6-0F5D-43C4-B968-363AF6F3597D}"/>
+              </a:ext>
+            </a:extLst>
+          </p:cNvPr>
+          <p:cNvSpPr/>
+          <p:nvPr/>
+        </p:nvSpPr>
+        <p:spPr>
+          <a:xfrm rot="10800000">
+            <a:off x="7578159" y="4241176"/>
+            <a:ext cx="700857" cy="366855"/>
+          </a:xfrm>
+          <a:prstGeom prst="rightArrow">
+            <a:avLst/>
+          </a:prstGeom>
+          <a:solidFill>
+            <a:srgbClr val="FF0000"/>
+          </a:solidFill>
+        </p:spPr>
+        <p:style>
+          <a:lnRef idx="2">
+            <a:schemeClr val="accent1">
+              <a:shade val="50000"/>
+            </a:schemeClr>
+          </a:lnRef>
+          <a:fillRef idx="1">
+            <a:schemeClr val="accent1"/>
+          </a:fillRef>
+          <a:effectRef idx="0">
+            <a:schemeClr val="accent1"/>
+          </a:effectRef>
+          <a:fontRef idx="minor">
+            <a:schemeClr val="lt1"/>
+          </a:fontRef>
+        </p:style>
+        <p:txBody>
+          <a:bodyPr rtlCol="0" anchor="ctr"/>
+          <a:lstStyle/>
+          <a:p>
+            <a:pPr algn="ctr"/>
+            <a:endParaRPr lang="en-US"/>
           </a:p>
         </p:txBody>
       </p:sp>
@@ -19190,7 +18851,7 @@
 </p:sld>
 </file>
 
-<file path=ppt/slides/slide25.xml><?xml version="1.0" encoding="utf-8"?>
+<file path=ppt/slides/slide24.xml><?xml version="1.0" encoding="utf-8"?>
 <p:sld xmlns:a="http://schemas.openxmlformats.org/drawingml/2006/main" xmlns:r="http://schemas.openxmlformats.org/officeDocument/2006/relationships" xmlns:p="http://schemas.openxmlformats.org/presentationml/2006/main">
   <p:cSld>
     <p:spTree>
@@ -19330,7 +18991,7 @@
 </p:sld>
 </file>
 
-<file path=ppt/slides/slide26.xml><?xml version="1.0" encoding="utf-8"?>
+<file path=ppt/slides/slide25.xml><?xml version="1.0" encoding="utf-8"?>
 <p:sld xmlns:a="http://schemas.openxmlformats.org/drawingml/2006/main" xmlns:r="http://schemas.openxmlformats.org/officeDocument/2006/relationships" xmlns:p="http://schemas.openxmlformats.org/presentationml/2006/main">
   <p:cSld>
     <p:spTree>
@@ -19649,7 +19310,7 @@
 </p:sld>
 </file>
 
-<file path=ppt/slides/slide27.xml><?xml version="1.0" encoding="utf-8"?>
+<file path=ppt/slides/slide26.xml><?xml version="1.0" encoding="utf-8"?>
 <p:sld xmlns:a="http://schemas.openxmlformats.org/drawingml/2006/main" xmlns:r="http://schemas.openxmlformats.org/officeDocument/2006/relationships" xmlns:p="http://schemas.openxmlformats.org/presentationml/2006/main">
   <p:cSld>
     <p:spTree>
@@ -20267,7 +19928,7 @@
 </p:sld>
 </file>
 
-<file path=ppt/slides/slide28.xml><?xml version="1.0" encoding="utf-8"?>
+<file path=ppt/slides/slide27.xml><?xml version="1.0" encoding="utf-8"?>
 <p:sld xmlns:a="http://schemas.openxmlformats.org/drawingml/2006/main" xmlns:r="http://schemas.openxmlformats.org/officeDocument/2006/relationships" xmlns:p="http://schemas.openxmlformats.org/presentationml/2006/main">
   <p:cSld>
     <p:spTree>
@@ -20496,7 +20157,7 @@
 </p:sld>
 </file>
 
-<file path=ppt/slides/slide29.xml><?xml version="1.0" encoding="utf-8"?>
+<file path=ppt/slides/slide28.xml><?xml version="1.0" encoding="utf-8"?>
 <p:sld xmlns:a="http://schemas.openxmlformats.org/drawingml/2006/main" xmlns:r="http://schemas.openxmlformats.org/officeDocument/2006/relationships" xmlns:p="http://schemas.openxmlformats.org/presentationml/2006/main">
   <p:cSld>
     <p:spTree>
@@ -20844,87 +20505,7 @@
 </p:sld>
 </file>
 
-<file path=ppt/slides/slide3.xml><?xml version="1.0" encoding="utf-8"?>
-<p:sld xmlns:a="http://schemas.openxmlformats.org/drawingml/2006/main" xmlns:r="http://schemas.openxmlformats.org/officeDocument/2006/relationships" xmlns:p="http://schemas.openxmlformats.org/presentationml/2006/main">
-  <p:cSld>
-    <p:spTree>
-      <p:nvGrpSpPr>
-        <p:cNvPr id="1" name=""/>
-        <p:cNvGrpSpPr/>
-        <p:nvPr/>
-      </p:nvGrpSpPr>
-      <p:grpSpPr>
-        <a:xfrm>
-          <a:off x="0" y="0"/>
-          <a:ext cx="0" cy="0"/>
-          <a:chOff x="0" y="0"/>
-          <a:chExt cx="0" cy="0"/>
-        </a:xfrm>
-      </p:grpSpPr>
-      <p:sp>
-        <p:nvSpPr>
-          <p:cNvPr id="5" name="Title 4">
-            <a:extLst>
-              <a:ext uri="{FF2B5EF4-FFF2-40B4-BE49-F238E27FC236}">
-                <a16:creationId xmlns:a16="http://schemas.microsoft.com/office/drawing/2014/main" id="{6B0A9A09-33C6-4920-B250-B6CC72D2FFC7}"/>
-              </a:ext>
-            </a:extLst>
-          </p:cNvPr>
-          <p:cNvSpPr>
-            <a:spLocks noGrp="1"/>
-          </p:cNvSpPr>
-          <p:nvPr>
-            <p:ph type="title"/>
-          </p:nvPr>
-        </p:nvSpPr>
-        <p:spPr/>
-        <p:txBody>
-          <a:bodyPr/>
-          <a:lstStyle/>
-          <a:p>
-            <a:r>
-              <a:rPr lang="en-US" dirty="0">
-                <a:latin typeface="Century Gothic" panose="020B0502020202020204" pitchFamily="34" charset="0"/>
-              </a:rPr>
-              <a:t>Chapter 7 - </a:t>
-            </a:r>
-            <a:r>
-              <a:rPr lang="en-US" dirty="0">
-                <a:solidFill>
-                  <a:srgbClr val="FF0000"/>
-                </a:solidFill>
-                <a:latin typeface="Century Gothic" panose="020B0502020202020204" pitchFamily="34" charset="0"/>
-              </a:rPr>
-              <a:t>***</a:t>
-            </a:r>
-            <a:br>
-              <a:rPr lang="en-US" dirty="0">
-                <a:latin typeface="Century Gothic" panose="020B0502020202020204" pitchFamily="34" charset="0"/>
-              </a:rPr>
-            </a:br>
-            <a:r>
-              <a:rPr lang="en-US" b="1" dirty="0">
-                <a:latin typeface="Century Gothic" panose="020B0502020202020204" pitchFamily="34" charset="0"/>
-              </a:rPr>
-              <a:t>The Process</a:t>
-            </a:r>
-          </a:p>
-        </p:txBody>
-      </p:sp>
-    </p:spTree>
-    <p:extLst>
-      <p:ext uri="{BB962C8B-B14F-4D97-AF65-F5344CB8AC3E}">
-        <p14:creationId xmlns:p14="http://schemas.microsoft.com/office/powerpoint/2010/main" val="748389439"/>
-      </p:ext>
-    </p:extLst>
-  </p:cSld>
-  <p:clrMapOvr>
-    <a:masterClrMapping/>
-  </p:clrMapOvr>
-</p:sld>
-</file>
-
-<file path=ppt/slides/slide30.xml><?xml version="1.0" encoding="utf-8"?>
+<file path=ppt/slides/slide29.xml><?xml version="1.0" encoding="utf-8"?>
 <p:sld xmlns:a="http://schemas.openxmlformats.org/drawingml/2006/main" xmlns:r="http://schemas.openxmlformats.org/officeDocument/2006/relationships" xmlns:p="http://schemas.openxmlformats.org/presentationml/2006/main">
   <p:cSld>
     <p:spTree>
@@ -21168,7 +20749,87 @@
 </p:sld>
 </file>
 
-<file path=ppt/slides/slide31.xml><?xml version="1.0" encoding="utf-8"?>
+<file path=ppt/slides/slide3.xml><?xml version="1.0" encoding="utf-8"?>
+<p:sld xmlns:a="http://schemas.openxmlformats.org/drawingml/2006/main" xmlns:r="http://schemas.openxmlformats.org/officeDocument/2006/relationships" xmlns:p="http://schemas.openxmlformats.org/presentationml/2006/main">
+  <p:cSld>
+    <p:spTree>
+      <p:nvGrpSpPr>
+        <p:cNvPr id="1" name=""/>
+        <p:cNvGrpSpPr/>
+        <p:nvPr/>
+      </p:nvGrpSpPr>
+      <p:grpSpPr>
+        <a:xfrm>
+          <a:off x="0" y="0"/>
+          <a:ext cx="0" cy="0"/>
+          <a:chOff x="0" y="0"/>
+          <a:chExt cx="0" cy="0"/>
+        </a:xfrm>
+      </p:grpSpPr>
+      <p:sp>
+        <p:nvSpPr>
+          <p:cNvPr id="5" name="Title 4">
+            <a:extLst>
+              <a:ext uri="{FF2B5EF4-FFF2-40B4-BE49-F238E27FC236}">
+                <a16:creationId xmlns:a16="http://schemas.microsoft.com/office/drawing/2014/main" id="{6B0A9A09-33C6-4920-B250-B6CC72D2FFC7}"/>
+              </a:ext>
+            </a:extLst>
+          </p:cNvPr>
+          <p:cNvSpPr>
+            <a:spLocks noGrp="1"/>
+          </p:cNvSpPr>
+          <p:nvPr>
+            <p:ph type="title"/>
+          </p:nvPr>
+        </p:nvSpPr>
+        <p:spPr/>
+        <p:txBody>
+          <a:bodyPr/>
+          <a:lstStyle/>
+          <a:p>
+            <a:r>
+              <a:rPr lang="en-US" dirty="0">
+                <a:latin typeface="Century Gothic" panose="020B0502020202020204" pitchFamily="34" charset="0"/>
+              </a:rPr>
+              <a:t>Chapter 7 - </a:t>
+            </a:r>
+            <a:r>
+              <a:rPr lang="en-US" dirty="0">
+                <a:solidFill>
+                  <a:srgbClr val="FF0000"/>
+                </a:solidFill>
+                <a:latin typeface="Century Gothic" panose="020B0502020202020204" pitchFamily="34" charset="0"/>
+              </a:rPr>
+              <a:t>***</a:t>
+            </a:r>
+            <a:br>
+              <a:rPr lang="en-US" dirty="0">
+                <a:latin typeface="Century Gothic" panose="020B0502020202020204" pitchFamily="34" charset="0"/>
+              </a:rPr>
+            </a:br>
+            <a:r>
+              <a:rPr lang="en-US" b="1" dirty="0">
+                <a:latin typeface="Century Gothic" panose="020B0502020202020204" pitchFamily="34" charset="0"/>
+              </a:rPr>
+              <a:t>The Process</a:t>
+            </a:r>
+          </a:p>
+        </p:txBody>
+      </p:sp>
+    </p:spTree>
+    <p:extLst>
+      <p:ext uri="{BB962C8B-B14F-4D97-AF65-F5344CB8AC3E}">
+        <p14:creationId xmlns:p14="http://schemas.microsoft.com/office/powerpoint/2010/main" val="748389439"/>
+      </p:ext>
+    </p:extLst>
+  </p:cSld>
+  <p:clrMapOvr>
+    <a:masterClrMapping/>
+  </p:clrMapOvr>
+</p:sld>
+</file>
+
+<file path=ppt/slides/slide30.xml><?xml version="1.0" encoding="utf-8"?>
 <p:sld xmlns:a="http://schemas.openxmlformats.org/drawingml/2006/main" xmlns:r="http://schemas.openxmlformats.org/officeDocument/2006/relationships" xmlns:p="http://schemas.openxmlformats.org/presentationml/2006/main">
   <p:cSld>
     <p:spTree>

--- a/Section-05/Lecture5.pptx
+++ b/Section-05/Lecture5.pptx
@@ -18188,7 +18188,7 @@
           <p:nvPr>
             <p:extLst>
               <p:ext uri="{D42A27DB-BD31-4B8C-83A1-F6EECF244321}">
-                <p14:modId xmlns:p14="http://schemas.microsoft.com/office/powerpoint/2010/main" val="3083199164"/>
+                <p14:modId xmlns:p14="http://schemas.microsoft.com/office/powerpoint/2010/main" val="2166725097"/>
               </p:ext>
             </p:extLst>
           </p:nvPr>
@@ -18240,7 +18240,7 @@
                         <a:rPr lang="en-US" sz="2400" b="1" dirty="0">
                           <a:latin typeface="Century Gothic" panose="020B0502020202020204" pitchFamily="34" charset="0"/>
                         </a:rPr>
-                        <a:t> &amp; | </a:t>
+                        <a:t> | </a:t>
                       </a:r>
                       <a:r>
                         <a:rPr lang="en-US" sz="2400" b="1" dirty="0" err="1">
@@ -18288,7 +18288,58 @@
         </p:nvSpPr>
         <p:spPr>
           <a:xfrm rot="10800000">
-            <a:off x="6200871" y="5115971"/>
+            <a:off x="2191735" y="5187940"/>
+            <a:ext cx="355904" cy="645860"/>
+          </a:xfrm>
+          <a:prstGeom prst="downArrow">
+            <a:avLst/>
+          </a:prstGeom>
+          <a:solidFill>
+            <a:schemeClr val="accent1">
+              <a:lumMod val="75000"/>
+            </a:schemeClr>
+          </a:solidFill>
+        </p:spPr>
+        <p:style>
+          <a:lnRef idx="2">
+            <a:schemeClr val="accent1">
+              <a:shade val="50000"/>
+            </a:schemeClr>
+          </a:lnRef>
+          <a:fillRef idx="1">
+            <a:schemeClr val="accent1"/>
+          </a:fillRef>
+          <a:effectRef idx="0">
+            <a:schemeClr val="accent1"/>
+          </a:effectRef>
+          <a:fontRef idx="minor">
+            <a:schemeClr val="lt1"/>
+          </a:fontRef>
+        </p:style>
+        <p:txBody>
+          <a:bodyPr rtlCol="0" anchor="ctr"/>
+          <a:lstStyle/>
+          <a:p>
+            <a:pPr algn="ctr"/>
+            <a:endParaRPr lang="en-US"/>
+          </a:p>
+        </p:txBody>
+      </p:sp>
+      <p:sp>
+        <p:nvSpPr>
+          <p:cNvPr id="6" name="Arrow: Down 5">
+            <a:extLst>
+              <a:ext uri="{FF2B5EF4-FFF2-40B4-BE49-F238E27FC236}">
+                <a16:creationId xmlns:a16="http://schemas.microsoft.com/office/drawing/2014/main" id="{CFD976E6-435F-48F5-901A-3387A684B4A6}"/>
+              </a:ext>
+            </a:extLst>
+          </p:cNvPr>
+          <p:cNvSpPr/>
+          <p:nvPr/>
+        </p:nvSpPr>
+        <p:spPr>
+          <a:xfrm rot="10800000">
+            <a:off x="8137986" y="5185642"/>
             <a:ext cx="355904" cy="645860"/>
           </a:xfrm>
           <a:prstGeom prst="downArrow">
@@ -18325,10 +18376,10 @@
       </p:sp>
       <p:sp>
         <p:nvSpPr>
-          <p:cNvPr id="6" name="Arrow: Down 5">
+          <p:cNvPr id="7" name="Arrow: Down 6">
             <a:extLst>
               <a:ext uri="{FF2B5EF4-FFF2-40B4-BE49-F238E27FC236}">
-                <a16:creationId xmlns:a16="http://schemas.microsoft.com/office/drawing/2014/main" id="{CFD976E6-435F-48F5-901A-3387A684B4A6}"/>
+                <a16:creationId xmlns:a16="http://schemas.microsoft.com/office/drawing/2014/main" id="{524DEFD0-AEB2-4AB9-920D-5582CCBC493A}"/>
               </a:ext>
             </a:extLst>
           </p:cNvPr>
@@ -18337,14 +18388,16 @@
         </p:nvSpPr>
         <p:spPr>
           <a:xfrm rot="10800000">
-            <a:off x="8412306" y="5130778"/>
+            <a:off x="6884598" y="5216520"/>
             <a:ext cx="355904" cy="645860"/>
           </a:xfrm>
           <a:prstGeom prst="downArrow">
             <a:avLst/>
           </a:prstGeom>
           <a:solidFill>
-            <a:srgbClr val="FF0000"/>
+            <a:schemeClr val="accent1">
+              <a:lumMod val="75000"/>
+            </a:schemeClr>
           </a:solidFill>
         </p:spPr>
         <p:style>

--- a/Section-05/Lecture5.pptx
+++ b/Section-05/Lecture5.pptx
@@ -28,10 +28,10 @@
     <p:sldId id="277" r:id="rId19"/>
     <p:sldId id="279" r:id="rId20"/>
     <p:sldId id="297" r:id="rId21"/>
-    <p:sldId id="281" r:id="rId22"/>
-    <p:sldId id="282" r:id="rId23"/>
-    <p:sldId id="283" r:id="rId24"/>
-    <p:sldId id="288" r:id="rId25"/>
+    <p:sldId id="288" r:id="rId22"/>
+    <p:sldId id="281" r:id="rId23"/>
+    <p:sldId id="282" r:id="rId24"/>
+    <p:sldId id="283" r:id="rId25"/>
     <p:sldId id="285" r:id="rId26"/>
     <p:sldId id="286" r:id="rId27"/>
     <p:sldId id="287" r:id="rId28"/>
@@ -17806,6 +17806,146 @@
           <p:cNvPr id="2" name="Title 1">
             <a:extLst>
               <a:ext uri="{FF2B5EF4-FFF2-40B4-BE49-F238E27FC236}">
+                <a16:creationId xmlns:a16="http://schemas.microsoft.com/office/drawing/2014/main" id="{BB897B1B-A07F-4E74-B54C-D182861861D0}"/>
+              </a:ext>
+            </a:extLst>
+          </p:cNvPr>
+          <p:cNvSpPr>
+            <a:spLocks noGrp="1"/>
+          </p:cNvSpPr>
+          <p:nvPr>
+            <p:ph type="title"/>
+          </p:nvPr>
+        </p:nvSpPr>
+        <p:spPr/>
+        <p:txBody>
+          <a:bodyPr/>
+          <a:lstStyle/>
+          <a:p>
+            <a:r>
+              <a:rPr lang="en-US" dirty="0"/>
+              <a:t>Job Control</a:t>
+            </a:r>
+          </a:p>
+        </p:txBody>
+      </p:sp>
+      <p:sp>
+        <p:nvSpPr>
+          <p:cNvPr id="3" name="Content Placeholder 2">
+            <a:extLst>
+              <a:ext uri="{FF2B5EF4-FFF2-40B4-BE49-F238E27FC236}">
+                <a16:creationId xmlns:a16="http://schemas.microsoft.com/office/drawing/2014/main" id="{B5289584-927D-4D71-8C4B-851479661F86}"/>
+              </a:ext>
+            </a:extLst>
+          </p:cNvPr>
+          <p:cNvSpPr>
+            <a:spLocks noGrp="1"/>
+          </p:cNvSpPr>
+          <p:nvPr>
+            <p:ph idx="1"/>
+          </p:nvPr>
+        </p:nvSpPr>
+        <p:spPr/>
+        <p:txBody>
+          <a:bodyPr/>
+          <a:lstStyle/>
+          <a:p>
+            <a:r>
+              <a:rPr lang="en-US" dirty="0">
+                <a:latin typeface="Century Gothic" panose="020B0502020202020204" pitchFamily="34" charset="0"/>
+              </a:rPr>
+              <a:t>Every process belongs to a </a:t>
+            </a:r>
+            <a:r>
+              <a:rPr lang="en-US" b="1" dirty="0">
+                <a:solidFill>
+                  <a:srgbClr val="0070C0"/>
+                </a:solidFill>
+                <a:latin typeface="Century Gothic" panose="020B0502020202020204" pitchFamily="34" charset="0"/>
+              </a:rPr>
+              <a:t>process group</a:t>
+            </a:r>
+          </a:p>
+          <a:p>
+            <a:r>
+              <a:rPr lang="en-US" dirty="0">
+                <a:latin typeface="Century Gothic" panose="020B0502020202020204" pitchFamily="34" charset="0"/>
+              </a:rPr>
+              <a:t>Each process in the group has the same process group-ID (PGID)</a:t>
+            </a:r>
+          </a:p>
+          <a:p>
+            <a:r>
+              <a:rPr lang="en-US" dirty="0">
+                <a:latin typeface="Century Gothic" panose="020B0502020202020204" pitchFamily="34" charset="0"/>
+              </a:rPr>
+              <a:t>The C, Korn, and Bash shells support job control where </a:t>
+            </a:r>
+            <a:r>
+              <a:rPr lang="en-US" b="1" dirty="0">
+                <a:solidFill>
+                  <a:srgbClr val="0070C0"/>
+                </a:solidFill>
+                <a:latin typeface="Century Gothic" panose="020B0502020202020204" pitchFamily="34" charset="0"/>
+              </a:rPr>
+              <a:t>every job has a separate PGID</a:t>
+            </a:r>
+          </a:p>
+          <a:p>
+            <a:pPr lvl="1"/>
+            <a:r>
+              <a:rPr lang="en-US" dirty="0">
+                <a:latin typeface="Century Gothic" panose="020B0502020202020204" pitchFamily="34" charset="0"/>
+              </a:rPr>
+              <a:t>Allows manipulation of process groups separately</a:t>
+            </a:r>
+          </a:p>
+          <a:p>
+            <a:pPr lvl="1"/>
+            <a:r>
+              <a:rPr lang="en-US" dirty="0">
+                <a:latin typeface="Century Gothic" panose="020B0502020202020204" pitchFamily="34" charset="0"/>
+              </a:rPr>
+              <a:t>A signal sent to a process group affects all processes in the group </a:t>
+            </a:r>
+          </a:p>
+        </p:txBody>
+      </p:sp>
+    </p:spTree>
+    <p:extLst>
+      <p:ext uri="{BB962C8B-B14F-4D97-AF65-F5344CB8AC3E}">
+        <p14:creationId xmlns:p14="http://schemas.microsoft.com/office/powerpoint/2010/main" val="1797023046"/>
+      </p:ext>
+    </p:extLst>
+  </p:cSld>
+  <p:clrMapOvr>
+    <a:masterClrMapping/>
+  </p:clrMapOvr>
+</p:sld>
+</file>
+
+<file path=ppt/slides/slide22.xml><?xml version="1.0" encoding="utf-8"?>
+<p:sld xmlns:a="http://schemas.openxmlformats.org/drawingml/2006/main" xmlns:r="http://schemas.openxmlformats.org/officeDocument/2006/relationships" xmlns:p="http://schemas.openxmlformats.org/presentationml/2006/main">
+  <p:cSld>
+    <p:spTree>
+      <p:nvGrpSpPr>
+        <p:cNvPr id="1" name=""/>
+        <p:cNvGrpSpPr/>
+        <p:nvPr/>
+      </p:nvGrpSpPr>
+      <p:grpSpPr>
+        <a:xfrm>
+          <a:off x="0" y="0"/>
+          <a:ext cx="0" cy="0"/>
+          <a:chOff x="0" y="0"/>
+          <a:chExt cx="0" cy="0"/>
+        </a:xfrm>
+      </p:grpSpPr>
+      <p:sp>
+        <p:nvSpPr>
+          <p:cNvPr id="2" name="Title 1">
+            <a:extLst>
+              <a:ext uri="{FF2B5EF4-FFF2-40B4-BE49-F238E27FC236}">
                 <a16:creationId xmlns:a16="http://schemas.microsoft.com/office/drawing/2014/main" id="{90182175-FD4E-457C-BE05-024C3EDB8990}"/>
               </a:ext>
             </a:extLst>
@@ -17974,7 +18114,7 @@
 </p:sld>
 </file>
 
-<file path=ppt/slides/slide22.xml><?xml version="1.0" encoding="utf-8"?>
+<file path=ppt/slides/slide23.xml><?xml version="1.0" encoding="utf-8"?>
 <p:sld xmlns:a="http://schemas.openxmlformats.org/drawingml/2006/main" xmlns:r="http://schemas.openxmlformats.org/officeDocument/2006/relationships" xmlns:p="http://schemas.openxmlformats.org/presentationml/2006/main">
   <p:cSld>
     <p:spTree>
@@ -18438,7 +18578,7 @@
 </p:sld>
 </file>
 
-<file path=ppt/slides/slide23.xml><?xml version="1.0" encoding="utf-8"?>
+<file path=ppt/slides/slide24.xml><?xml version="1.0" encoding="utf-8"?>
 <p:sld xmlns:a="http://schemas.openxmlformats.org/drawingml/2006/main" xmlns:r="http://schemas.openxmlformats.org/officeDocument/2006/relationships" xmlns:p="http://schemas.openxmlformats.org/presentationml/2006/main">
   <p:cSld>
     <p:spTree>
@@ -18895,146 +19035,6 @@
     <p:extLst>
       <p:ext uri="{BB962C8B-B14F-4D97-AF65-F5344CB8AC3E}">
         <p14:creationId xmlns:p14="http://schemas.microsoft.com/office/powerpoint/2010/main" val="4292505084"/>
-      </p:ext>
-    </p:extLst>
-  </p:cSld>
-  <p:clrMapOvr>
-    <a:masterClrMapping/>
-  </p:clrMapOvr>
-</p:sld>
-</file>
-
-<file path=ppt/slides/slide24.xml><?xml version="1.0" encoding="utf-8"?>
-<p:sld xmlns:a="http://schemas.openxmlformats.org/drawingml/2006/main" xmlns:r="http://schemas.openxmlformats.org/officeDocument/2006/relationships" xmlns:p="http://schemas.openxmlformats.org/presentationml/2006/main">
-  <p:cSld>
-    <p:spTree>
-      <p:nvGrpSpPr>
-        <p:cNvPr id="1" name=""/>
-        <p:cNvGrpSpPr/>
-        <p:nvPr/>
-      </p:nvGrpSpPr>
-      <p:grpSpPr>
-        <a:xfrm>
-          <a:off x="0" y="0"/>
-          <a:ext cx="0" cy="0"/>
-          <a:chOff x="0" y="0"/>
-          <a:chExt cx="0" cy="0"/>
-        </a:xfrm>
-      </p:grpSpPr>
-      <p:sp>
-        <p:nvSpPr>
-          <p:cNvPr id="2" name="Title 1">
-            <a:extLst>
-              <a:ext uri="{FF2B5EF4-FFF2-40B4-BE49-F238E27FC236}">
-                <a16:creationId xmlns:a16="http://schemas.microsoft.com/office/drawing/2014/main" id="{BB897B1B-A07F-4E74-B54C-D182861861D0}"/>
-              </a:ext>
-            </a:extLst>
-          </p:cNvPr>
-          <p:cNvSpPr>
-            <a:spLocks noGrp="1"/>
-          </p:cNvSpPr>
-          <p:nvPr>
-            <p:ph type="title"/>
-          </p:nvPr>
-        </p:nvSpPr>
-        <p:spPr/>
-        <p:txBody>
-          <a:bodyPr/>
-          <a:lstStyle/>
-          <a:p>
-            <a:r>
-              <a:rPr lang="en-US" dirty="0"/>
-              <a:t>Job Control</a:t>
-            </a:r>
-          </a:p>
-        </p:txBody>
-      </p:sp>
-      <p:sp>
-        <p:nvSpPr>
-          <p:cNvPr id="3" name="Content Placeholder 2">
-            <a:extLst>
-              <a:ext uri="{FF2B5EF4-FFF2-40B4-BE49-F238E27FC236}">
-                <a16:creationId xmlns:a16="http://schemas.microsoft.com/office/drawing/2014/main" id="{B5289584-927D-4D71-8C4B-851479661F86}"/>
-              </a:ext>
-            </a:extLst>
-          </p:cNvPr>
-          <p:cNvSpPr>
-            <a:spLocks noGrp="1"/>
-          </p:cNvSpPr>
-          <p:nvPr>
-            <p:ph idx="1"/>
-          </p:nvPr>
-        </p:nvSpPr>
-        <p:spPr/>
-        <p:txBody>
-          <a:bodyPr/>
-          <a:lstStyle/>
-          <a:p>
-            <a:r>
-              <a:rPr lang="en-US" dirty="0">
-                <a:latin typeface="Century Gothic" panose="020B0502020202020204" pitchFamily="34" charset="0"/>
-              </a:rPr>
-              <a:t>Every process belongs to a </a:t>
-            </a:r>
-            <a:r>
-              <a:rPr lang="en-US" b="1" dirty="0">
-                <a:solidFill>
-                  <a:srgbClr val="0070C0"/>
-                </a:solidFill>
-                <a:latin typeface="Century Gothic" panose="020B0502020202020204" pitchFamily="34" charset="0"/>
-              </a:rPr>
-              <a:t>process group</a:t>
-            </a:r>
-          </a:p>
-          <a:p>
-            <a:r>
-              <a:rPr lang="en-US" dirty="0">
-                <a:latin typeface="Century Gothic" panose="020B0502020202020204" pitchFamily="34" charset="0"/>
-              </a:rPr>
-              <a:t>Each process in the group has the same process group-ID (PGID)</a:t>
-            </a:r>
-          </a:p>
-          <a:p>
-            <a:r>
-              <a:rPr lang="en-US" dirty="0">
-                <a:latin typeface="Century Gothic" panose="020B0502020202020204" pitchFamily="34" charset="0"/>
-              </a:rPr>
-              <a:t>The C, Korn, and Bash shells support job control where </a:t>
-            </a:r>
-            <a:r>
-              <a:rPr lang="en-US" b="1" dirty="0">
-                <a:solidFill>
-                  <a:srgbClr val="0070C0"/>
-                </a:solidFill>
-                <a:latin typeface="Century Gothic" panose="020B0502020202020204" pitchFamily="34" charset="0"/>
-              </a:rPr>
-              <a:t>every job has a separate PGID</a:t>
-            </a:r>
-          </a:p>
-          <a:p>
-            <a:pPr lvl="1"/>
-            <a:r>
-              <a:rPr lang="en-US" dirty="0">
-                <a:latin typeface="Century Gothic" panose="020B0502020202020204" pitchFamily="34" charset="0"/>
-              </a:rPr>
-              <a:t>Allows manipulation of process groups separately</a:t>
-            </a:r>
-          </a:p>
-          <a:p>
-            <a:pPr lvl="1"/>
-            <a:r>
-              <a:rPr lang="en-US" dirty="0">
-                <a:latin typeface="Century Gothic" panose="020B0502020202020204" pitchFamily="34" charset="0"/>
-              </a:rPr>
-              <a:t>A signal sent to a process group affects all processes in the group </a:t>
-            </a:r>
-          </a:p>
-        </p:txBody>
-      </p:sp>
-    </p:spTree>
-    <p:extLst>
-      <p:ext uri="{BB962C8B-B14F-4D97-AF65-F5344CB8AC3E}">
-        <p14:creationId xmlns:p14="http://schemas.microsoft.com/office/powerpoint/2010/main" val="1797023046"/>
       </p:ext>
     </p:extLst>
   </p:cSld>
